--- a/knn영상분류_202283525_오창현.pptx
+++ b/knn영상분류_202283525_오창현.pptx
@@ -4413,7 +4413,7 @@
         </p:nvSpPr>
         <p:spPr>
           <a:xfrm>
-            <a:off x="1097280" y="1541417"/>
+            <a:off x="1097281" y="1541418"/>
             <a:ext cx="10389325" cy="4780998"/>
           </a:xfrm>
           <a:prstGeom prst="rect">
@@ -4639,8 +4639,8 @@
         </p:nvSpPr>
         <p:spPr>
           <a:xfrm>
-            <a:off x="705395" y="1323704"/>
-            <a:ext cx="2124892" cy="607796"/>
+            <a:off x="705394" y="1323704"/>
+            <a:ext cx="2734492" cy="607796"/>
           </a:xfrm>
           <a:prstGeom prst="rect">
             <a:avLst/>
@@ -4671,8 +4671,8 @@
           <a:p>
             <a:pPr algn="ctr"/>
             <a:r>
-              <a:rPr lang="ko-KR" altLang="en-US" sz="3600" dirty="0" err="1"/>
-              <a:t>딥러닝</a:t>
+              <a:rPr lang="ko-KR" altLang="en-US" sz="3600"/>
+              <a:t>영상의 분류</a:t>
             </a:r>
             <a:endParaRPr lang="ko-KR" altLang="en-US" sz="3600" dirty="0"/>
           </a:p>
@@ -4693,7 +4693,7 @@
         <p:spPr>
           <a:xfrm>
             <a:off x="1560830" y="2112203"/>
-            <a:ext cx="9692640" cy="646331"/>
+            <a:ext cx="9692640" cy="461665"/>
           </a:xfrm>
           <a:prstGeom prst="rect">
             <a:avLst/>
@@ -4706,28 +4706,23 @@
           </a:bodyPr>
           <a:lstStyle/>
           <a:p>
-            <a:pPr algn="l"/>
-            <a:r>
-              <a:rPr lang="ko-KR" altLang="en-US" sz="3600" dirty="0">
+            <a:pPr algn="ctr"/>
+            <a:r>
+              <a:rPr lang="ko-KR" altLang="en-US" sz="2400" b="1" dirty="0">
                 <a:solidFill>
                   <a:srgbClr val="554F4D"/>
                 </a:solidFill>
               </a:rPr>
-              <a:t>스스로 학습 및 개선하는 대규모 </a:t>
-            </a:r>
-            <a:r>
-              <a:rPr lang="ko-KR" altLang="en-US" sz="3600">
+              <a:t>입력 이미지를 미리 정해진 카테고리 중 하나인 라벨로 분류하는 </a:t>
+            </a:r>
+            <a:r>
+              <a:rPr lang="ko-KR" altLang="en-US" sz="2400" dirty="0">
                 <a:solidFill>
                   <a:srgbClr val="554F4D"/>
                 </a:solidFill>
               </a:rPr>
-              <a:t>신경 네트워크</a:t>
-            </a:r>
-            <a:endParaRPr lang="ko-KR" altLang="en-US" sz="3600" dirty="0">
-              <a:solidFill>
-                <a:srgbClr val="554F4D"/>
-              </a:solidFill>
-            </a:endParaRPr>
+              <a:t>것</a:t>
+            </a:r>
           </a:p>
         </p:txBody>
       </p:sp>
@@ -4770,10 +4765,10 @@
       </p:sp>
       <p:sp>
         <p:nvSpPr>
-          <p:cNvPr id="16" name="타원 15">
-            <a:extLst>
-              <a:ext uri="{FF2B5EF4-FFF2-40B4-BE49-F238E27FC236}">
-                <a16:creationId xmlns:a16="http://schemas.microsoft.com/office/drawing/2014/main" id="{FE8CA4BE-C1D7-4A10-959F-2D1D436240E4}"/>
+          <p:cNvPr id="17" name="타원 16">
+            <a:extLst>
+              <a:ext uri="{FF2B5EF4-FFF2-40B4-BE49-F238E27FC236}">
+                <a16:creationId xmlns:a16="http://schemas.microsoft.com/office/drawing/2014/main" id="{C0A99CD4-F411-4BB5-BBF5-104F74C53400}"/>
               </a:ext>
             </a:extLst>
           </p:cNvPr>
@@ -4782,8 +4777,8 @@
         </p:nvSpPr>
         <p:spPr>
           <a:xfrm>
-            <a:off x="1402080" y="3551014"/>
-            <a:ext cx="2124892" cy="2163986"/>
+            <a:off x="4839788" y="2908662"/>
+            <a:ext cx="2804160" cy="2855751"/>
           </a:xfrm>
           <a:prstGeom prst="ellipse">
             <a:avLst/>
@@ -4817,24 +4812,24 @@
           <a:p>
             <a:pPr algn="ctr"/>
             <a:r>
-              <a:rPr lang="ko-KR" altLang="en-US" dirty="0">
+              <a:rPr lang="ko-KR" altLang="en-US" sz="4800" dirty="0">
                 <a:solidFill>
                   <a:schemeClr val="accent2">
                     <a:lumMod val="50000"/>
                   </a:schemeClr>
                 </a:solidFill>
               </a:rPr>
-              <a:t>수익개선</a:t>
-            </a:r>
-          </a:p>
-        </p:txBody>
-      </p:sp>
-      <p:sp>
-        <p:nvSpPr>
-          <p:cNvPr id="17" name="타원 16">
-            <a:extLst>
-              <a:ext uri="{FF2B5EF4-FFF2-40B4-BE49-F238E27FC236}">
-                <a16:creationId xmlns:a16="http://schemas.microsoft.com/office/drawing/2014/main" id="{C0A99CD4-F411-4BB5-BBF5-104F74C53400}"/>
+              <a:t>학습</a:t>
+            </a:r>
+          </a:p>
+        </p:txBody>
+      </p:sp>
+      <p:sp>
+        <p:nvSpPr>
+          <p:cNvPr id="10" name="직사각형 9">
+            <a:extLst>
+              <a:ext uri="{FF2B5EF4-FFF2-40B4-BE49-F238E27FC236}">
+                <a16:creationId xmlns:a16="http://schemas.microsoft.com/office/drawing/2014/main" id="{7C3B96C0-9560-4DE2-B2EC-8A5893F005C2}"/>
               </a:ext>
             </a:extLst>
           </p:cNvPr>
@@ -4843,8 +4838,60 @@
         </p:nvSpPr>
         <p:spPr>
           <a:xfrm>
-            <a:off x="3927566" y="3551014"/>
-            <a:ext cx="2124892" cy="2163986"/>
+            <a:off x="9788433" y="6452492"/>
+            <a:ext cx="2403567" cy="396604"/>
+          </a:xfrm>
+          <a:prstGeom prst="rect">
+            <a:avLst/>
+          </a:prstGeom>
+          <a:solidFill>
+            <a:schemeClr val="bg1"/>
+          </a:solidFill>
+          <a:ln>
+            <a:noFill/>
+          </a:ln>
+        </p:spPr>
+        <p:style>
+          <a:lnRef idx="2">
+            <a:schemeClr val="accent1">
+              <a:shade val="50000"/>
+            </a:schemeClr>
+          </a:lnRef>
+          <a:fillRef idx="1">
+            <a:schemeClr val="accent1"/>
+          </a:fillRef>
+          <a:effectRef idx="0">
+            <a:schemeClr val="accent1"/>
+          </a:effectRef>
+          <a:fontRef idx="minor">
+            <a:schemeClr val="lt1"/>
+          </a:fontRef>
+        </p:style>
+        <p:txBody>
+          <a:bodyPr rtlCol="0" anchor="ctr"/>
+          <a:lstStyle/>
+          <a:p>
+            <a:pPr algn="ctr"/>
+            <a:endParaRPr lang="ko-KR" altLang="en-US"/>
+          </a:p>
+        </p:txBody>
+      </p:sp>
+      <p:sp>
+        <p:nvSpPr>
+          <p:cNvPr id="21" name="타원 20">
+            <a:extLst>
+              <a:ext uri="{FF2B5EF4-FFF2-40B4-BE49-F238E27FC236}">
+                <a16:creationId xmlns:a16="http://schemas.microsoft.com/office/drawing/2014/main" id="{C47C6A2C-2772-479F-8B28-C0225C8781A3}"/>
+              </a:ext>
+            </a:extLst>
+          </p:cNvPr>
+          <p:cNvSpPr/>
+          <p:nvPr/>
+        </p:nvSpPr>
+        <p:spPr>
+          <a:xfrm>
+            <a:off x="1493521" y="2908662"/>
+            <a:ext cx="2804160" cy="2855751"/>
           </a:xfrm>
           <a:prstGeom prst="ellipse">
             <a:avLst/>
@@ -4878,44 +4925,24 @@
           <a:p>
             <a:pPr algn="ctr"/>
             <a:r>
-              <a:rPr lang="ko-KR" altLang="en-US" dirty="0">
+              <a:rPr lang="ko-KR" altLang="en-US" sz="4800" dirty="0">
                 <a:solidFill>
                   <a:schemeClr val="accent2">
                     <a:lumMod val="50000"/>
                   </a:schemeClr>
                 </a:solidFill>
               </a:rPr>
-              <a:t>최적화 및 </a:t>
-            </a:r>
-            <a:endParaRPr lang="en-US" altLang="ko-KR" dirty="0">
-              <a:solidFill>
-                <a:schemeClr val="accent2">
-                  <a:lumMod val="50000"/>
-                </a:schemeClr>
-              </a:solidFill>
-            </a:endParaRPr>
-          </a:p>
-          <a:p>
-            <a:pPr algn="ctr"/>
-            <a:r>
-              <a:rPr lang="ko-KR" altLang="en-US" dirty="0">
-                <a:solidFill>
-                  <a:schemeClr val="accent2">
-                    <a:lumMod val="50000"/>
-                  </a:schemeClr>
-                </a:solidFill>
-              </a:rPr>
-              <a:t>효율화</a:t>
-            </a:r>
-          </a:p>
-        </p:txBody>
-      </p:sp>
-      <p:sp>
-        <p:nvSpPr>
-          <p:cNvPr id="18" name="타원 17">
-            <a:extLst>
-              <a:ext uri="{FF2B5EF4-FFF2-40B4-BE49-F238E27FC236}">
-                <a16:creationId xmlns:a16="http://schemas.microsoft.com/office/drawing/2014/main" id="{6BDEDF02-3355-4873-81AC-461D7A27B6E1}"/>
+              <a:t>입력</a:t>
+            </a:r>
+          </a:p>
+        </p:txBody>
+      </p:sp>
+      <p:sp>
+        <p:nvSpPr>
+          <p:cNvPr id="22" name="타원 21">
+            <a:extLst>
+              <a:ext uri="{FF2B5EF4-FFF2-40B4-BE49-F238E27FC236}">
+                <a16:creationId xmlns:a16="http://schemas.microsoft.com/office/drawing/2014/main" id="{AC8A8B3D-3BFC-4ECC-BE14-CEEE7B74C5F1}"/>
               </a:ext>
             </a:extLst>
           </p:cNvPr>
@@ -4924,8 +4951,8 @@
         </p:nvSpPr>
         <p:spPr>
           <a:xfrm>
-            <a:off x="6453051" y="3551014"/>
-            <a:ext cx="2124892" cy="2163986"/>
+            <a:off x="8186056" y="2908662"/>
+            <a:ext cx="2804160" cy="2855751"/>
           </a:xfrm>
           <a:prstGeom prst="ellipse">
             <a:avLst/>
@@ -4959,148 +4986,15 @@
           <a:p>
             <a:pPr algn="ctr"/>
             <a:r>
-              <a:rPr lang="ko-KR" altLang="en-US" dirty="0">
+              <a:rPr lang="ko-KR" altLang="en-US" sz="4800" dirty="0">
                 <a:solidFill>
                   <a:schemeClr val="accent2">
                     <a:lumMod val="50000"/>
                   </a:schemeClr>
                 </a:solidFill>
               </a:rPr>
-              <a:t>부정행위 </a:t>
-            </a:r>
-            <a:endParaRPr lang="en-US" altLang="ko-KR" dirty="0">
-              <a:solidFill>
-                <a:schemeClr val="accent2">
-                  <a:lumMod val="50000"/>
-                </a:schemeClr>
-              </a:solidFill>
-            </a:endParaRPr>
-          </a:p>
-          <a:p>
-            <a:pPr algn="ctr"/>
-            <a:r>
-              <a:rPr lang="ko-KR" altLang="en-US" dirty="0">
-                <a:solidFill>
-                  <a:schemeClr val="accent2">
-                    <a:lumMod val="50000"/>
-                  </a:schemeClr>
-                </a:solidFill>
-              </a:rPr>
-              <a:t>탐지</a:t>
-            </a:r>
-          </a:p>
-        </p:txBody>
-      </p:sp>
-      <p:sp>
-        <p:nvSpPr>
-          <p:cNvPr id="19" name="타원 18">
-            <a:extLst>
-              <a:ext uri="{FF2B5EF4-FFF2-40B4-BE49-F238E27FC236}">
-                <a16:creationId xmlns:a16="http://schemas.microsoft.com/office/drawing/2014/main" id="{EC9A1DBA-9FA3-4040-AA38-5239E848804C}"/>
-              </a:ext>
-            </a:extLst>
-          </p:cNvPr>
-          <p:cNvSpPr/>
-          <p:nvPr/>
-        </p:nvSpPr>
-        <p:spPr>
-          <a:xfrm>
-            <a:off x="8978536" y="3551014"/>
-            <a:ext cx="2124892" cy="2163986"/>
-          </a:xfrm>
-          <a:prstGeom prst="ellipse">
-            <a:avLst/>
-          </a:prstGeom>
-          <a:solidFill>
-            <a:srgbClr val="EEE9E2"/>
-          </a:solidFill>
-          <a:ln>
-            <a:noFill/>
-          </a:ln>
-        </p:spPr>
-        <p:style>
-          <a:lnRef idx="2">
-            <a:schemeClr val="accent1">
-              <a:shade val="50000"/>
-            </a:schemeClr>
-          </a:lnRef>
-          <a:fillRef idx="1">
-            <a:schemeClr val="accent1"/>
-          </a:fillRef>
-          <a:effectRef idx="0">
-            <a:schemeClr val="accent1"/>
-          </a:effectRef>
-          <a:fontRef idx="minor">
-            <a:schemeClr val="lt1"/>
-          </a:fontRef>
-        </p:style>
-        <p:txBody>
-          <a:bodyPr rtlCol="0" anchor="ctr"/>
-          <a:lstStyle/>
-          <a:p>
-            <a:pPr algn="ctr"/>
-            <a:r>
-              <a:rPr lang="ko-KR" altLang="en-US" dirty="0">
-                <a:solidFill>
-                  <a:schemeClr val="accent2">
-                    <a:lumMod val="50000"/>
-                  </a:schemeClr>
-                </a:solidFill>
-              </a:rPr>
-              <a:t>예측 분석</a:t>
-            </a:r>
-          </a:p>
-        </p:txBody>
-      </p:sp>
-      <p:sp>
-        <p:nvSpPr>
-          <p:cNvPr id="10" name="직사각형 9">
-            <a:extLst>
-              <a:ext uri="{FF2B5EF4-FFF2-40B4-BE49-F238E27FC236}">
-                <a16:creationId xmlns:a16="http://schemas.microsoft.com/office/drawing/2014/main" id="{7C3B96C0-9560-4DE2-B2EC-8A5893F005C2}"/>
-              </a:ext>
-            </a:extLst>
-          </p:cNvPr>
-          <p:cNvSpPr/>
-          <p:nvPr/>
-        </p:nvSpPr>
-        <p:spPr>
-          <a:xfrm>
-            <a:off x="9788433" y="6452492"/>
-            <a:ext cx="2403567" cy="396604"/>
-          </a:xfrm>
-          <a:prstGeom prst="rect">
-            <a:avLst/>
-          </a:prstGeom>
-          <a:solidFill>
-            <a:schemeClr val="bg1"/>
-          </a:solidFill>
-          <a:ln>
-            <a:noFill/>
-          </a:ln>
-        </p:spPr>
-        <p:style>
-          <a:lnRef idx="2">
-            <a:schemeClr val="accent1">
-              <a:shade val="50000"/>
-            </a:schemeClr>
-          </a:lnRef>
-          <a:fillRef idx="1">
-            <a:schemeClr val="accent1"/>
-          </a:fillRef>
-          <a:effectRef idx="0">
-            <a:schemeClr val="accent1"/>
-          </a:effectRef>
-          <a:fontRef idx="minor">
-            <a:schemeClr val="lt1"/>
-          </a:fontRef>
-        </p:style>
-        <p:txBody>
-          <a:bodyPr rtlCol="0" anchor="ctr"/>
-          <a:lstStyle/>
-          <a:p>
-            <a:pPr algn="ctr"/>
-            <a:endParaRPr lang="ko-KR" altLang="en-US"/>
+              <a:t>평가</a:t>
+            </a:r>
           </a:p>
         </p:txBody>
       </p:sp>
